--- a/Phước cho nhân loại     樂哉主臨.pptx
+++ b/Phước cho nhân loại     樂哉主臨.pptx
@@ -225,7 +225,8 @@
           <a:p>
             <a:fld id="{0841A7E4-B753-4ADF-A2DD-EF1167A80D75}" type="datetimeFigureOut">
               <a:rPr lang="en-US" smtClean="0"/>
-              <a:t>12/8/2012</a:t>
+              <a:pPr/>
+              <a:t>12/12/2019</a:t>
             </a:fld>
             <a:endParaRPr lang="en-US"/>
           </a:p>
@@ -267,6 +268,7 @@
           <a:p>
             <a:fld id="{7A80F7E7-9265-49BB-9E2D-AB9FCB26ABDC}" type="slidenum">
               <a:rPr lang="en-US" smtClean="0"/>
+              <a:pPr/>
               <a:t>‹#›</a:t>
             </a:fld>
             <a:endParaRPr lang="en-US"/>
@@ -451,7 +453,8 @@
           <a:p>
             <a:fld id="{0841A7E4-B753-4ADF-A2DD-EF1167A80D75}" type="datetimeFigureOut">
               <a:rPr lang="en-US" smtClean="0"/>
-              <a:t>12/8/2012</a:t>
+              <a:pPr/>
+              <a:t>12/12/2019</a:t>
             </a:fld>
             <a:endParaRPr lang="en-US"/>
           </a:p>
@@ -493,6 +496,7 @@
           <a:p>
             <a:fld id="{7A80F7E7-9265-49BB-9E2D-AB9FCB26ABDC}" type="slidenum">
               <a:rPr lang="en-US" smtClean="0"/>
+              <a:pPr/>
               <a:t>‹#›</a:t>
             </a:fld>
             <a:endParaRPr lang="en-US"/>
@@ -626,7 +630,8 @@
           <a:p>
             <a:fld id="{0841A7E4-B753-4ADF-A2DD-EF1167A80D75}" type="datetimeFigureOut">
               <a:rPr lang="en-US" smtClean="0"/>
-              <a:t>12/8/2012</a:t>
+              <a:pPr/>
+              <a:t>12/12/2019</a:t>
             </a:fld>
             <a:endParaRPr lang="en-US"/>
           </a:p>
@@ -668,6 +673,7 @@
           <a:p>
             <a:fld id="{7A80F7E7-9265-49BB-9E2D-AB9FCB26ABDC}" type="slidenum">
               <a:rPr lang="en-US" smtClean="0"/>
+              <a:pPr/>
               <a:t>‹#›</a:t>
             </a:fld>
             <a:endParaRPr lang="en-US"/>
@@ -791,7 +797,8 @@
           <a:p>
             <a:fld id="{0841A7E4-B753-4ADF-A2DD-EF1167A80D75}" type="datetimeFigureOut">
               <a:rPr lang="en-US" smtClean="0"/>
-              <a:t>12/8/2012</a:t>
+              <a:pPr/>
+              <a:t>12/12/2019</a:t>
             </a:fld>
             <a:endParaRPr lang="en-US"/>
           </a:p>
@@ -833,6 +840,7 @@
           <a:p>
             <a:fld id="{7A80F7E7-9265-49BB-9E2D-AB9FCB26ABDC}" type="slidenum">
               <a:rPr lang="en-US" smtClean="0"/>
+              <a:pPr/>
               <a:t>‹#›</a:t>
             </a:fld>
             <a:endParaRPr lang="en-US"/>
@@ -1035,7 +1043,8 @@
           <a:p>
             <a:fld id="{0841A7E4-B753-4ADF-A2DD-EF1167A80D75}" type="datetimeFigureOut">
               <a:rPr lang="en-US" smtClean="0"/>
-              <a:t>12/8/2012</a:t>
+              <a:pPr/>
+              <a:t>12/12/2019</a:t>
             </a:fld>
             <a:endParaRPr lang="en-US"/>
           </a:p>
@@ -1082,6 +1091,7 @@
           <a:p>
             <a:fld id="{7A80F7E7-9265-49BB-9E2D-AB9FCB26ABDC}" type="slidenum">
               <a:rPr lang="en-US" smtClean="0"/>
+              <a:pPr/>
               <a:t>‹#›</a:t>
             </a:fld>
             <a:endParaRPr lang="en-US"/>
@@ -1299,7 +1309,8 @@
           <a:p>
             <a:fld id="{0841A7E4-B753-4ADF-A2DD-EF1167A80D75}" type="datetimeFigureOut">
               <a:rPr lang="en-US" smtClean="0"/>
-              <a:t>12/8/2012</a:t>
+              <a:pPr/>
+              <a:t>12/12/2019</a:t>
             </a:fld>
             <a:endParaRPr lang="en-US"/>
           </a:p>
@@ -1341,6 +1352,7 @@
           <a:p>
             <a:fld id="{7A80F7E7-9265-49BB-9E2D-AB9FCB26ABDC}" type="slidenum">
               <a:rPr lang="en-US" smtClean="0"/>
+              <a:pPr/>
               <a:t>‹#›</a:t>
             </a:fld>
             <a:endParaRPr lang="en-US"/>
@@ -1673,7 +1685,8 @@
           <a:p>
             <a:fld id="{0841A7E4-B753-4ADF-A2DD-EF1167A80D75}" type="datetimeFigureOut">
               <a:rPr lang="en-US" smtClean="0"/>
-              <a:t>12/8/2012</a:t>
+              <a:pPr/>
+              <a:t>12/12/2019</a:t>
             </a:fld>
             <a:endParaRPr lang="en-US"/>
           </a:p>
@@ -1715,6 +1728,7 @@
           <a:p>
             <a:fld id="{7A80F7E7-9265-49BB-9E2D-AB9FCB26ABDC}" type="slidenum">
               <a:rPr lang="en-US" smtClean="0"/>
+              <a:pPr/>
               <a:t>‹#›</a:t>
             </a:fld>
             <a:endParaRPr lang="en-US"/>
@@ -1786,7 +1800,8 @@
           <a:p>
             <a:fld id="{0841A7E4-B753-4ADF-A2DD-EF1167A80D75}" type="datetimeFigureOut">
               <a:rPr lang="en-US" smtClean="0"/>
-              <a:t>12/8/2012</a:t>
+              <a:pPr/>
+              <a:t>12/12/2019</a:t>
             </a:fld>
             <a:endParaRPr lang="en-US"/>
           </a:p>
@@ -1828,6 +1843,7 @@
           <a:p>
             <a:fld id="{7A80F7E7-9265-49BB-9E2D-AB9FCB26ABDC}" type="slidenum">
               <a:rPr lang="en-US" smtClean="0"/>
+              <a:pPr/>
               <a:t>‹#›</a:t>
             </a:fld>
             <a:endParaRPr lang="en-US"/>
@@ -1876,7 +1892,8 @@
           <a:p>
             <a:fld id="{0841A7E4-B753-4ADF-A2DD-EF1167A80D75}" type="datetimeFigureOut">
               <a:rPr lang="en-US" smtClean="0"/>
-              <a:t>12/8/2012</a:t>
+              <a:pPr/>
+              <a:t>12/12/2019</a:t>
             </a:fld>
             <a:endParaRPr lang="en-US"/>
           </a:p>
@@ -1918,6 +1935,7 @@
           <a:p>
             <a:fld id="{7A80F7E7-9265-49BB-9E2D-AB9FCB26ABDC}" type="slidenum">
               <a:rPr lang="en-US" smtClean="0"/>
+              <a:pPr/>
               <a:t>‹#›</a:t>
             </a:fld>
             <a:endParaRPr lang="en-US"/>
@@ -2134,7 +2152,8 @@
           <a:p>
             <a:fld id="{0841A7E4-B753-4ADF-A2DD-EF1167A80D75}" type="datetimeFigureOut">
               <a:rPr lang="en-US" smtClean="0"/>
-              <a:t>12/8/2012</a:t>
+              <a:pPr/>
+              <a:t>12/12/2019</a:t>
             </a:fld>
             <a:endParaRPr lang="en-US"/>
           </a:p>
@@ -2176,6 +2195,7 @@
           <a:p>
             <a:fld id="{7A80F7E7-9265-49BB-9E2D-AB9FCB26ABDC}" type="slidenum">
               <a:rPr lang="en-US" smtClean="0"/>
+              <a:pPr/>
               <a:t>‹#›</a:t>
             </a:fld>
             <a:endParaRPr lang="en-US"/>
@@ -2398,7 +2418,8 @@
           <a:p>
             <a:fld id="{0841A7E4-B753-4ADF-A2DD-EF1167A80D75}" type="datetimeFigureOut">
               <a:rPr lang="en-US" smtClean="0"/>
-              <a:t>12/8/2012</a:t>
+              <a:pPr/>
+              <a:t>12/12/2019</a:t>
             </a:fld>
             <a:endParaRPr lang="en-US"/>
           </a:p>
@@ -2440,6 +2461,7 @@
           <a:p>
             <a:fld id="{7A80F7E7-9265-49BB-9E2D-AB9FCB26ABDC}" type="slidenum">
               <a:rPr lang="en-US" smtClean="0"/>
+              <a:pPr/>
               <a:t>‹#›</a:t>
             </a:fld>
             <a:endParaRPr lang="en-US"/>
@@ -2615,7 +2637,8 @@
           <a:p>
             <a:fld id="{0841A7E4-B753-4ADF-A2DD-EF1167A80D75}" type="datetimeFigureOut">
               <a:rPr lang="en-US" smtClean="0"/>
-              <a:t>12/8/2012</a:t>
+              <a:pPr/>
+              <a:t>12/12/2019</a:t>
             </a:fld>
             <a:endParaRPr lang="en-US"/>
           </a:p>
@@ -2693,6 +2716,7 @@
           <a:p>
             <a:fld id="{7A80F7E7-9265-49BB-9E2D-AB9FCB26ABDC}" type="slidenum">
               <a:rPr lang="en-US" smtClean="0"/>
+              <a:pPr/>
               <a:t>‹#›</a:t>
             </a:fld>
             <a:endParaRPr lang="en-US"/>
